--- a/ppt 16-9/0713.祷告主能加力量.pptx
+++ b/ppt 16-9/0713.祷告主能加力量.pptx
@@ -129,7 +129,7 @@
           <p:cNvPr id="2" name="标题 1">
             <a:extLst>
               <a:ext uri="{FF2B5EF4-FFF2-40B4-BE49-F238E27FC236}">
-                <a16:creationId xmlns:a16="http://schemas.microsoft.com/office/drawing/2014/main" id="{06B621A1-9228-6548-9455-ADBA209A8126}"/>
+                <a16:creationId xmlns:a16="http://schemas.microsoft.com/office/drawing/2014/main" id="{1E442225-34A5-76F0-4F25-C27714867626}"/>
               </a:ext>
             </a:extLst>
           </p:cNvPr>
@@ -166,7 +166,7 @@
           <p:cNvPr id="3" name="副标题 2">
             <a:extLst>
               <a:ext uri="{FF2B5EF4-FFF2-40B4-BE49-F238E27FC236}">
-                <a16:creationId xmlns:a16="http://schemas.microsoft.com/office/drawing/2014/main" id="{FA308BF0-FE0D-E074-30D6-C9A31A05206C}"/>
+                <a16:creationId xmlns:a16="http://schemas.microsoft.com/office/drawing/2014/main" id="{82988C39-A310-7ED9-3677-5D5F3BFDC87D}"/>
               </a:ext>
             </a:extLst>
           </p:cNvPr>
@@ -236,7 +236,7 @@
           <p:cNvPr id="4" name="日期占位符 3">
             <a:extLst>
               <a:ext uri="{FF2B5EF4-FFF2-40B4-BE49-F238E27FC236}">
-                <a16:creationId xmlns:a16="http://schemas.microsoft.com/office/drawing/2014/main" id="{0DBF5726-2390-C98E-D745-A3C16DF8ED05}"/>
+                <a16:creationId xmlns:a16="http://schemas.microsoft.com/office/drawing/2014/main" id="{9CDF3074-956E-6298-7B9D-0350776167C1}"/>
               </a:ext>
             </a:extLst>
           </p:cNvPr>
@@ -252,7 +252,7 @@
           <a:bodyPr/>
           <a:lstStyle/>
           <a:p>
-            <a:fld id="{59A292BF-F18C-4294-A516-D151C44E6E8C}" type="datetimeFigureOut">
+            <a:fld id="{F76275E7-60C4-473B-AE3A-9B4B430F762B}" type="datetimeFigureOut">
               <a:rPr lang="zh-CN" altLang="en-US" smtClean="0"/>
               <a:t>2024/3/10</a:t>
             </a:fld>
@@ -265,7 +265,7 @@
           <p:cNvPr id="5" name="页脚占位符 4">
             <a:extLst>
               <a:ext uri="{FF2B5EF4-FFF2-40B4-BE49-F238E27FC236}">
-                <a16:creationId xmlns:a16="http://schemas.microsoft.com/office/drawing/2014/main" id="{6D539679-88E5-4382-AE07-CFC4D1271AFC}"/>
+                <a16:creationId xmlns:a16="http://schemas.microsoft.com/office/drawing/2014/main" id="{41972B3D-DD93-E4F6-2800-32084C237239}"/>
               </a:ext>
             </a:extLst>
           </p:cNvPr>
@@ -290,7 +290,7 @@
           <p:cNvPr id="6" name="灯片编号占位符 5">
             <a:extLst>
               <a:ext uri="{FF2B5EF4-FFF2-40B4-BE49-F238E27FC236}">
-                <a16:creationId xmlns:a16="http://schemas.microsoft.com/office/drawing/2014/main" id="{D1405D67-2CC4-C415-2014-B81F443E77B5}"/>
+                <a16:creationId xmlns:a16="http://schemas.microsoft.com/office/drawing/2014/main" id="{A8B15881-5332-1734-4566-6E7EF97C9C88}"/>
               </a:ext>
             </a:extLst>
           </p:cNvPr>
@@ -306,7 +306,7 @@
           <a:bodyPr/>
           <a:lstStyle/>
           <a:p>
-            <a:fld id="{53693364-BD15-44D8-9FC4-2C35FEF1FCE3}" type="slidenum">
+            <a:fld id="{1F249BA8-D140-4AF0-A7B7-14225DA5610E}" type="slidenum">
               <a:rPr lang="zh-CN" altLang="en-US" smtClean="0"/>
               <a:t>‹#›</a:t>
             </a:fld>
@@ -317,7 +317,7 @@
     </p:spTree>
     <p:extLst>
       <p:ext uri="{BB962C8B-B14F-4D97-AF65-F5344CB8AC3E}">
-        <p14:creationId xmlns:p14="http://schemas.microsoft.com/office/powerpoint/2010/main" val="1420818856"/>
+        <p14:creationId xmlns:p14="http://schemas.microsoft.com/office/powerpoint/2010/main" val="363745011"/>
       </p:ext>
     </p:extLst>
   </p:cSld>
@@ -349,7 +349,7 @@
           <p:cNvPr id="2" name="标题 1">
             <a:extLst>
               <a:ext uri="{FF2B5EF4-FFF2-40B4-BE49-F238E27FC236}">
-                <a16:creationId xmlns:a16="http://schemas.microsoft.com/office/drawing/2014/main" id="{8B997C7A-EE57-A99F-7E86-7327C255FE7B}"/>
+                <a16:creationId xmlns:a16="http://schemas.microsoft.com/office/drawing/2014/main" id="{F4E12916-3C18-20FC-92BD-9BC5BE16B298}"/>
               </a:ext>
             </a:extLst>
           </p:cNvPr>
@@ -377,7 +377,7 @@
           <p:cNvPr id="3" name="竖排文字占位符 2">
             <a:extLst>
               <a:ext uri="{FF2B5EF4-FFF2-40B4-BE49-F238E27FC236}">
-                <a16:creationId xmlns:a16="http://schemas.microsoft.com/office/drawing/2014/main" id="{85CAE8EF-3824-299A-A136-A65C6803FCCE}"/>
+                <a16:creationId xmlns:a16="http://schemas.microsoft.com/office/drawing/2014/main" id="{E176F5D3-3903-0D40-5D07-DDBFFF5B4059}"/>
               </a:ext>
             </a:extLst>
           </p:cNvPr>
@@ -434,7 +434,7 @@
           <p:cNvPr id="4" name="日期占位符 3">
             <a:extLst>
               <a:ext uri="{FF2B5EF4-FFF2-40B4-BE49-F238E27FC236}">
-                <a16:creationId xmlns:a16="http://schemas.microsoft.com/office/drawing/2014/main" id="{6B2A9FE1-912E-BABA-51CE-667381A23A88}"/>
+                <a16:creationId xmlns:a16="http://schemas.microsoft.com/office/drawing/2014/main" id="{CC21FA33-342A-E13A-7972-096236847579}"/>
               </a:ext>
             </a:extLst>
           </p:cNvPr>
@@ -450,7 +450,7 @@
           <a:bodyPr/>
           <a:lstStyle/>
           <a:p>
-            <a:fld id="{59A292BF-F18C-4294-A516-D151C44E6E8C}" type="datetimeFigureOut">
+            <a:fld id="{F76275E7-60C4-473B-AE3A-9B4B430F762B}" type="datetimeFigureOut">
               <a:rPr lang="zh-CN" altLang="en-US" smtClean="0"/>
               <a:t>2024/3/10</a:t>
             </a:fld>
@@ -463,7 +463,7 @@
           <p:cNvPr id="5" name="页脚占位符 4">
             <a:extLst>
               <a:ext uri="{FF2B5EF4-FFF2-40B4-BE49-F238E27FC236}">
-                <a16:creationId xmlns:a16="http://schemas.microsoft.com/office/drawing/2014/main" id="{1BB058D0-6C14-B1D1-66EA-0EE3F3078ED4}"/>
+                <a16:creationId xmlns:a16="http://schemas.microsoft.com/office/drawing/2014/main" id="{F850BADD-BB12-D298-253D-428B0B6EBEDE}"/>
               </a:ext>
             </a:extLst>
           </p:cNvPr>
@@ -488,7 +488,7 @@
           <p:cNvPr id="6" name="灯片编号占位符 5">
             <a:extLst>
               <a:ext uri="{FF2B5EF4-FFF2-40B4-BE49-F238E27FC236}">
-                <a16:creationId xmlns:a16="http://schemas.microsoft.com/office/drawing/2014/main" id="{3905857D-F5C3-F20C-FA94-1088A1534384}"/>
+                <a16:creationId xmlns:a16="http://schemas.microsoft.com/office/drawing/2014/main" id="{F86DD210-C6C2-565E-3553-11AB99173233}"/>
               </a:ext>
             </a:extLst>
           </p:cNvPr>
@@ -504,7 +504,7 @@
           <a:bodyPr/>
           <a:lstStyle/>
           <a:p>
-            <a:fld id="{53693364-BD15-44D8-9FC4-2C35FEF1FCE3}" type="slidenum">
+            <a:fld id="{1F249BA8-D140-4AF0-A7B7-14225DA5610E}" type="slidenum">
               <a:rPr lang="zh-CN" altLang="en-US" smtClean="0"/>
               <a:t>‹#›</a:t>
             </a:fld>
@@ -515,7 +515,7 @@
     </p:spTree>
     <p:extLst>
       <p:ext uri="{BB962C8B-B14F-4D97-AF65-F5344CB8AC3E}">
-        <p14:creationId xmlns:p14="http://schemas.microsoft.com/office/powerpoint/2010/main" val="706728846"/>
+        <p14:creationId xmlns:p14="http://schemas.microsoft.com/office/powerpoint/2010/main" val="2523142587"/>
       </p:ext>
     </p:extLst>
   </p:cSld>
@@ -547,7 +547,7 @@
           <p:cNvPr id="2" name="竖排标题 1">
             <a:extLst>
               <a:ext uri="{FF2B5EF4-FFF2-40B4-BE49-F238E27FC236}">
-                <a16:creationId xmlns:a16="http://schemas.microsoft.com/office/drawing/2014/main" id="{2B0A7A14-15D2-8A18-EB69-74B15CB802E4}"/>
+                <a16:creationId xmlns:a16="http://schemas.microsoft.com/office/drawing/2014/main" id="{09ACD6B4-D4FC-D0E7-CCDF-7E96EEA8DD46}"/>
               </a:ext>
             </a:extLst>
           </p:cNvPr>
@@ -580,7 +580,7 @@
           <p:cNvPr id="3" name="竖排文字占位符 2">
             <a:extLst>
               <a:ext uri="{FF2B5EF4-FFF2-40B4-BE49-F238E27FC236}">
-                <a16:creationId xmlns:a16="http://schemas.microsoft.com/office/drawing/2014/main" id="{50ABB9BC-7B5E-4EA6-A524-ADDFD3B6727E}"/>
+                <a16:creationId xmlns:a16="http://schemas.microsoft.com/office/drawing/2014/main" id="{9B13A5E1-41EC-E350-BE04-E83E8363FD50}"/>
               </a:ext>
             </a:extLst>
           </p:cNvPr>
@@ -642,7 +642,7 @@
           <p:cNvPr id="4" name="日期占位符 3">
             <a:extLst>
               <a:ext uri="{FF2B5EF4-FFF2-40B4-BE49-F238E27FC236}">
-                <a16:creationId xmlns:a16="http://schemas.microsoft.com/office/drawing/2014/main" id="{17C842B3-0EE2-39F5-2707-EE2D31922570}"/>
+                <a16:creationId xmlns:a16="http://schemas.microsoft.com/office/drawing/2014/main" id="{28CAEC16-4E9C-D2E0-2059-58FE17472067}"/>
               </a:ext>
             </a:extLst>
           </p:cNvPr>
@@ -658,7 +658,7 @@
           <a:bodyPr/>
           <a:lstStyle/>
           <a:p>
-            <a:fld id="{59A292BF-F18C-4294-A516-D151C44E6E8C}" type="datetimeFigureOut">
+            <a:fld id="{F76275E7-60C4-473B-AE3A-9B4B430F762B}" type="datetimeFigureOut">
               <a:rPr lang="zh-CN" altLang="en-US" smtClean="0"/>
               <a:t>2024/3/10</a:t>
             </a:fld>
@@ -671,7 +671,7 @@
           <p:cNvPr id="5" name="页脚占位符 4">
             <a:extLst>
               <a:ext uri="{FF2B5EF4-FFF2-40B4-BE49-F238E27FC236}">
-                <a16:creationId xmlns:a16="http://schemas.microsoft.com/office/drawing/2014/main" id="{447A615F-7EB0-B2DD-A39A-384636993482}"/>
+                <a16:creationId xmlns:a16="http://schemas.microsoft.com/office/drawing/2014/main" id="{BA52F620-ABD7-A9F6-C06E-678BDCFA819A}"/>
               </a:ext>
             </a:extLst>
           </p:cNvPr>
@@ -696,7 +696,7 @@
           <p:cNvPr id="6" name="灯片编号占位符 5">
             <a:extLst>
               <a:ext uri="{FF2B5EF4-FFF2-40B4-BE49-F238E27FC236}">
-                <a16:creationId xmlns:a16="http://schemas.microsoft.com/office/drawing/2014/main" id="{24196FE6-1D0D-0F00-695B-931186B3EB59}"/>
+                <a16:creationId xmlns:a16="http://schemas.microsoft.com/office/drawing/2014/main" id="{93AF99C7-46AD-72F6-0F22-302C9692AE9C}"/>
               </a:ext>
             </a:extLst>
           </p:cNvPr>
@@ -712,7 +712,7 @@
           <a:bodyPr/>
           <a:lstStyle/>
           <a:p>
-            <a:fld id="{53693364-BD15-44D8-9FC4-2C35FEF1FCE3}" type="slidenum">
+            <a:fld id="{1F249BA8-D140-4AF0-A7B7-14225DA5610E}" type="slidenum">
               <a:rPr lang="zh-CN" altLang="en-US" smtClean="0"/>
               <a:t>‹#›</a:t>
             </a:fld>
@@ -723,7 +723,7 @@
     </p:spTree>
     <p:extLst>
       <p:ext uri="{BB962C8B-B14F-4D97-AF65-F5344CB8AC3E}">
-        <p14:creationId xmlns:p14="http://schemas.microsoft.com/office/powerpoint/2010/main" val="2454576373"/>
+        <p14:creationId xmlns:p14="http://schemas.microsoft.com/office/powerpoint/2010/main" val="1619365440"/>
       </p:ext>
     </p:extLst>
   </p:cSld>
@@ -755,7 +755,7 @@
           <p:cNvPr id="2" name="标题 1">
             <a:extLst>
               <a:ext uri="{FF2B5EF4-FFF2-40B4-BE49-F238E27FC236}">
-                <a16:creationId xmlns:a16="http://schemas.microsoft.com/office/drawing/2014/main" id="{B94CEAF1-F2D9-12FF-3DCB-5EE103D1850D}"/>
+                <a16:creationId xmlns:a16="http://schemas.microsoft.com/office/drawing/2014/main" id="{FF6567A4-29F3-D15B-B178-26CCF6D3801F}"/>
               </a:ext>
             </a:extLst>
           </p:cNvPr>
@@ -783,7 +783,7 @@
           <p:cNvPr id="3" name="内容占位符 2">
             <a:extLst>
               <a:ext uri="{FF2B5EF4-FFF2-40B4-BE49-F238E27FC236}">
-                <a16:creationId xmlns:a16="http://schemas.microsoft.com/office/drawing/2014/main" id="{6BEC2FAB-4F9D-C531-E15F-F25C70E28CFD}"/>
+                <a16:creationId xmlns:a16="http://schemas.microsoft.com/office/drawing/2014/main" id="{52C02C4A-6989-0131-9ADC-2131EA18CE75}"/>
               </a:ext>
             </a:extLst>
           </p:cNvPr>
@@ -840,7 +840,7 @@
           <p:cNvPr id="4" name="日期占位符 3">
             <a:extLst>
               <a:ext uri="{FF2B5EF4-FFF2-40B4-BE49-F238E27FC236}">
-                <a16:creationId xmlns:a16="http://schemas.microsoft.com/office/drawing/2014/main" id="{56727049-DADC-E3D5-9221-440CE05D1766}"/>
+                <a16:creationId xmlns:a16="http://schemas.microsoft.com/office/drawing/2014/main" id="{9DB7A2AB-1429-842F-F586-5CF75C18CA78}"/>
               </a:ext>
             </a:extLst>
           </p:cNvPr>
@@ -856,7 +856,7 @@
           <a:bodyPr/>
           <a:lstStyle/>
           <a:p>
-            <a:fld id="{59A292BF-F18C-4294-A516-D151C44E6E8C}" type="datetimeFigureOut">
+            <a:fld id="{F76275E7-60C4-473B-AE3A-9B4B430F762B}" type="datetimeFigureOut">
               <a:rPr lang="zh-CN" altLang="en-US" smtClean="0"/>
               <a:t>2024/3/10</a:t>
             </a:fld>
@@ -869,7 +869,7 @@
           <p:cNvPr id="5" name="页脚占位符 4">
             <a:extLst>
               <a:ext uri="{FF2B5EF4-FFF2-40B4-BE49-F238E27FC236}">
-                <a16:creationId xmlns:a16="http://schemas.microsoft.com/office/drawing/2014/main" id="{5EC6413E-10F5-C488-B5FF-3F2F3F752908}"/>
+                <a16:creationId xmlns:a16="http://schemas.microsoft.com/office/drawing/2014/main" id="{30C2B537-8BB0-4BAD-F2CF-4CE08B2F838E}"/>
               </a:ext>
             </a:extLst>
           </p:cNvPr>
@@ -894,7 +894,7 @@
           <p:cNvPr id="6" name="灯片编号占位符 5">
             <a:extLst>
               <a:ext uri="{FF2B5EF4-FFF2-40B4-BE49-F238E27FC236}">
-                <a16:creationId xmlns:a16="http://schemas.microsoft.com/office/drawing/2014/main" id="{B7018AFB-7838-7765-7353-7E45CB5FE6DC}"/>
+                <a16:creationId xmlns:a16="http://schemas.microsoft.com/office/drawing/2014/main" id="{5089A41B-E2B6-5A33-E480-E68448705591}"/>
               </a:ext>
             </a:extLst>
           </p:cNvPr>
@@ -910,7 +910,7 @@
           <a:bodyPr/>
           <a:lstStyle/>
           <a:p>
-            <a:fld id="{53693364-BD15-44D8-9FC4-2C35FEF1FCE3}" type="slidenum">
+            <a:fld id="{1F249BA8-D140-4AF0-A7B7-14225DA5610E}" type="slidenum">
               <a:rPr lang="zh-CN" altLang="en-US" smtClean="0"/>
               <a:t>‹#›</a:t>
             </a:fld>
@@ -921,7 +921,7 @@
     </p:spTree>
     <p:extLst>
       <p:ext uri="{BB962C8B-B14F-4D97-AF65-F5344CB8AC3E}">
-        <p14:creationId xmlns:p14="http://schemas.microsoft.com/office/powerpoint/2010/main" val="3389304907"/>
+        <p14:creationId xmlns:p14="http://schemas.microsoft.com/office/powerpoint/2010/main" val="21047971"/>
       </p:ext>
     </p:extLst>
   </p:cSld>
@@ -953,7 +953,7 @@
           <p:cNvPr id="2" name="标题 1">
             <a:extLst>
               <a:ext uri="{FF2B5EF4-FFF2-40B4-BE49-F238E27FC236}">
-                <a16:creationId xmlns:a16="http://schemas.microsoft.com/office/drawing/2014/main" id="{93CF6FBE-88DE-6395-645C-1D264D333CFF}"/>
+                <a16:creationId xmlns:a16="http://schemas.microsoft.com/office/drawing/2014/main" id="{3124C9BB-E4FA-5D92-44FE-C5BA4B38449D}"/>
               </a:ext>
             </a:extLst>
           </p:cNvPr>
@@ -990,7 +990,7 @@
           <p:cNvPr id="3" name="文本占位符 2">
             <a:extLst>
               <a:ext uri="{FF2B5EF4-FFF2-40B4-BE49-F238E27FC236}">
-                <a16:creationId xmlns:a16="http://schemas.microsoft.com/office/drawing/2014/main" id="{3B6F3EA1-8C62-CEF8-0C1C-CF8586D93E5A}"/>
+                <a16:creationId xmlns:a16="http://schemas.microsoft.com/office/drawing/2014/main" id="{B058CCA6-2A7D-A09B-CB62-487D7137AAF3}"/>
               </a:ext>
             </a:extLst>
           </p:cNvPr>
@@ -1115,7 +1115,7 @@
           <p:cNvPr id="4" name="日期占位符 3">
             <a:extLst>
               <a:ext uri="{FF2B5EF4-FFF2-40B4-BE49-F238E27FC236}">
-                <a16:creationId xmlns:a16="http://schemas.microsoft.com/office/drawing/2014/main" id="{16320A6B-2E95-4CE8-FB94-4A2450C0D8D2}"/>
+                <a16:creationId xmlns:a16="http://schemas.microsoft.com/office/drawing/2014/main" id="{34F0B873-E7D7-661D-987B-4D2BFCC624EF}"/>
               </a:ext>
             </a:extLst>
           </p:cNvPr>
@@ -1131,7 +1131,7 @@
           <a:bodyPr/>
           <a:lstStyle/>
           <a:p>
-            <a:fld id="{59A292BF-F18C-4294-A516-D151C44E6E8C}" type="datetimeFigureOut">
+            <a:fld id="{F76275E7-60C4-473B-AE3A-9B4B430F762B}" type="datetimeFigureOut">
               <a:rPr lang="zh-CN" altLang="en-US" smtClean="0"/>
               <a:t>2024/3/10</a:t>
             </a:fld>
@@ -1144,7 +1144,7 @@
           <p:cNvPr id="5" name="页脚占位符 4">
             <a:extLst>
               <a:ext uri="{FF2B5EF4-FFF2-40B4-BE49-F238E27FC236}">
-                <a16:creationId xmlns:a16="http://schemas.microsoft.com/office/drawing/2014/main" id="{2AB4CFAC-25F3-F7F7-A7F2-B7447FC16BA6}"/>
+                <a16:creationId xmlns:a16="http://schemas.microsoft.com/office/drawing/2014/main" id="{4B0BE865-5938-6604-408E-8EF537DC3656}"/>
               </a:ext>
             </a:extLst>
           </p:cNvPr>
@@ -1169,7 +1169,7 @@
           <p:cNvPr id="6" name="灯片编号占位符 5">
             <a:extLst>
               <a:ext uri="{FF2B5EF4-FFF2-40B4-BE49-F238E27FC236}">
-                <a16:creationId xmlns:a16="http://schemas.microsoft.com/office/drawing/2014/main" id="{7B6C1990-2A2A-28EA-BA5D-2B55D9384AF3}"/>
+                <a16:creationId xmlns:a16="http://schemas.microsoft.com/office/drawing/2014/main" id="{F54438D0-3D8F-7262-DF94-5CF8229BA306}"/>
               </a:ext>
             </a:extLst>
           </p:cNvPr>
@@ -1185,7 +1185,7 @@
           <a:bodyPr/>
           <a:lstStyle/>
           <a:p>
-            <a:fld id="{53693364-BD15-44D8-9FC4-2C35FEF1FCE3}" type="slidenum">
+            <a:fld id="{1F249BA8-D140-4AF0-A7B7-14225DA5610E}" type="slidenum">
               <a:rPr lang="zh-CN" altLang="en-US" smtClean="0"/>
               <a:t>‹#›</a:t>
             </a:fld>
@@ -1196,7 +1196,7 @@
     </p:spTree>
     <p:extLst>
       <p:ext uri="{BB962C8B-B14F-4D97-AF65-F5344CB8AC3E}">
-        <p14:creationId xmlns:p14="http://schemas.microsoft.com/office/powerpoint/2010/main" val="3813813878"/>
+        <p14:creationId xmlns:p14="http://schemas.microsoft.com/office/powerpoint/2010/main" val="1378987333"/>
       </p:ext>
     </p:extLst>
   </p:cSld>
@@ -1228,7 +1228,7 @@
           <p:cNvPr id="2" name="标题 1">
             <a:extLst>
               <a:ext uri="{FF2B5EF4-FFF2-40B4-BE49-F238E27FC236}">
-                <a16:creationId xmlns:a16="http://schemas.microsoft.com/office/drawing/2014/main" id="{1278C86E-7E52-9290-5E4D-DC59CC0F7E3B}"/>
+                <a16:creationId xmlns:a16="http://schemas.microsoft.com/office/drawing/2014/main" id="{3DEE4254-9006-4303-CF9B-592C8D8F4417}"/>
               </a:ext>
             </a:extLst>
           </p:cNvPr>
@@ -1256,7 +1256,7 @@
           <p:cNvPr id="3" name="内容占位符 2">
             <a:extLst>
               <a:ext uri="{FF2B5EF4-FFF2-40B4-BE49-F238E27FC236}">
-                <a16:creationId xmlns:a16="http://schemas.microsoft.com/office/drawing/2014/main" id="{91349ACD-F97D-A372-7C7C-3455F10BCBF3}"/>
+                <a16:creationId xmlns:a16="http://schemas.microsoft.com/office/drawing/2014/main" id="{338292F9-E535-F946-1354-2348CE9D11AE}"/>
               </a:ext>
             </a:extLst>
           </p:cNvPr>
@@ -1318,7 +1318,7 @@
           <p:cNvPr id="4" name="内容占位符 3">
             <a:extLst>
               <a:ext uri="{FF2B5EF4-FFF2-40B4-BE49-F238E27FC236}">
-                <a16:creationId xmlns:a16="http://schemas.microsoft.com/office/drawing/2014/main" id="{97B7A867-7CCD-526A-F84F-CC210225F25D}"/>
+                <a16:creationId xmlns:a16="http://schemas.microsoft.com/office/drawing/2014/main" id="{1117F169-3098-6D40-1815-652E61CFAD27}"/>
               </a:ext>
             </a:extLst>
           </p:cNvPr>
@@ -1380,7 +1380,7 @@
           <p:cNvPr id="5" name="日期占位符 4">
             <a:extLst>
               <a:ext uri="{FF2B5EF4-FFF2-40B4-BE49-F238E27FC236}">
-                <a16:creationId xmlns:a16="http://schemas.microsoft.com/office/drawing/2014/main" id="{32A4974E-7816-E7D2-2F7C-5AEF4E9EB50A}"/>
+                <a16:creationId xmlns:a16="http://schemas.microsoft.com/office/drawing/2014/main" id="{2C5E21D2-9C36-E0E1-A09B-F5805377C79D}"/>
               </a:ext>
             </a:extLst>
           </p:cNvPr>
@@ -1396,7 +1396,7 @@
           <a:bodyPr/>
           <a:lstStyle/>
           <a:p>
-            <a:fld id="{59A292BF-F18C-4294-A516-D151C44E6E8C}" type="datetimeFigureOut">
+            <a:fld id="{F76275E7-60C4-473B-AE3A-9B4B430F762B}" type="datetimeFigureOut">
               <a:rPr lang="zh-CN" altLang="en-US" smtClean="0"/>
               <a:t>2024/3/10</a:t>
             </a:fld>
@@ -1409,7 +1409,7 @@
           <p:cNvPr id="6" name="页脚占位符 5">
             <a:extLst>
               <a:ext uri="{FF2B5EF4-FFF2-40B4-BE49-F238E27FC236}">
-                <a16:creationId xmlns:a16="http://schemas.microsoft.com/office/drawing/2014/main" id="{8219B30A-98A3-F60F-EF50-0E615EAC5B02}"/>
+                <a16:creationId xmlns:a16="http://schemas.microsoft.com/office/drawing/2014/main" id="{C06C8157-F3C2-17B3-6567-0DA48FF60293}"/>
               </a:ext>
             </a:extLst>
           </p:cNvPr>
@@ -1434,7 +1434,7 @@
           <p:cNvPr id="7" name="灯片编号占位符 6">
             <a:extLst>
               <a:ext uri="{FF2B5EF4-FFF2-40B4-BE49-F238E27FC236}">
-                <a16:creationId xmlns:a16="http://schemas.microsoft.com/office/drawing/2014/main" id="{7556F1C6-B194-5B02-ED94-4FFF6E06E8B3}"/>
+                <a16:creationId xmlns:a16="http://schemas.microsoft.com/office/drawing/2014/main" id="{720A6714-D3B7-1A82-F9F6-EE6E2D907A6A}"/>
               </a:ext>
             </a:extLst>
           </p:cNvPr>
@@ -1450,7 +1450,7 @@
           <a:bodyPr/>
           <a:lstStyle/>
           <a:p>
-            <a:fld id="{53693364-BD15-44D8-9FC4-2C35FEF1FCE3}" type="slidenum">
+            <a:fld id="{1F249BA8-D140-4AF0-A7B7-14225DA5610E}" type="slidenum">
               <a:rPr lang="zh-CN" altLang="en-US" smtClean="0"/>
               <a:t>‹#›</a:t>
             </a:fld>
@@ -1461,7 +1461,7 @@
     </p:spTree>
     <p:extLst>
       <p:ext uri="{BB962C8B-B14F-4D97-AF65-F5344CB8AC3E}">
-        <p14:creationId xmlns:p14="http://schemas.microsoft.com/office/powerpoint/2010/main" val="2620161991"/>
+        <p14:creationId xmlns:p14="http://schemas.microsoft.com/office/powerpoint/2010/main" val="4055460078"/>
       </p:ext>
     </p:extLst>
   </p:cSld>
@@ -1493,7 +1493,7 @@
           <p:cNvPr id="2" name="标题 1">
             <a:extLst>
               <a:ext uri="{FF2B5EF4-FFF2-40B4-BE49-F238E27FC236}">
-                <a16:creationId xmlns:a16="http://schemas.microsoft.com/office/drawing/2014/main" id="{DE501DA1-856B-C8B3-E353-061F9E2848BF}"/>
+                <a16:creationId xmlns:a16="http://schemas.microsoft.com/office/drawing/2014/main" id="{85C3203E-653D-0F6C-DAE1-435C18BBE08A}"/>
               </a:ext>
             </a:extLst>
           </p:cNvPr>
@@ -1526,7 +1526,7 @@
           <p:cNvPr id="3" name="文本占位符 2">
             <a:extLst>
               <a:ext uri="{FF2B5EF4-FFF2-40B4-BE49-F238E27FC236}">
-                <a16:creationId xmlns:a16="http://schemas.microsoft.com/office/drawing/2014/main" id="{49FB59E5-5725-A143-2BF5-31511AEBDE6C}"/>
+                <a16:creationId xmlns:a16="http://schemas.microsoft.com/office/drawing/2014/main" id="{3E7135A3-57BD-EF7E-C34B-ECD8BD3B0CA6}"/>
               </a:ext>
             </a:extLst>
           </p:cNvPr>
@@ -1597,7 +1597,7 @@
           <p:cNvPr id="4" name="内容占位符 3">
             <a:extLst>
               <a:ext uri="{FF2B5EF4-FFF2-40B4-BE49-F238E27FC236}">
-                <a16:creationId xmlns:a16="http://schemas.microsoft.com/office/drawing/2014/main" id="{48DEAA67-0408-4802-C027-06C21AAFBDC5}"/>
+                <a16:creationId xmlns:a16="http://schemas.microsoft.com/office/drawing/2014/main" id="{ADCF2023-A35F-E8E4-902F-7F865A0253B5}"/>
               </a:ext>
             </a:extLst>
           </p:cNvPr>
@@ -1659,7 +1659,7 @@
           <p:cNvPr id="5" name="文本占位符 4">
             <a:extLst>
               <a:ext uri="{FF2B5EF4-FFF2-40B4-BE49-F238E27FC236}">
-                <a16:creationId xmlns:a16="http://schemas.microsoft.com/office/drawing/2014/main" id="{9CF77BB6-6B30-3181-3858-3BC4620090F2}"/>
+                <a16:creationId xmlns:a16="http://schemas.microsoft.com/office/drawing/2014/main" id="{36E44E99-CB03-B33E-73C7-26B871C4395F}"/>
               </a:ext>
             </a:extLst>
           </p:cNvPr>
@@ -1730,7 +1730,7 @@
           <p:cNvPr id="6" name="内容占位符 5">
             <a:extLst>
               <a:ext uri="{FF2B5EF4-FFF2-40B4-BE49-F238E27FC236}">
-                <a16:creationId xmlns:a16="http://schemas.microsoft.com/office/drawing/2014/main" id="{9E09AA34-9547-9E15-563F-B8D12856B2C6}"/>
+                <a16:creationId xmlns:a16="http://schemas.microsoft.com/office/drawing/2014/main" id="{814028E0-BF6A-A86E-AE41-911E4287254D}"/>
               </a:ext>
             </a:extLst>
           </p:cNvPr>
@@ -1792,7 +1792,7 @@
           <p:cNvPr id="7" name="日期占位符 6">
             <a:extLst>
               <a:ext uri="{FF2B5EF4-FFF2-40B4-BE49-F238E27FC236}">
-                <a16:creationId xmlns:a16="http://schemas.microsoft.com/office/drawing/2014/main" id="{5B871AA9-5F2F-2318-8A8A-66A8095781A6}"/>
+                <a16:creationId xmlns:a16="http://schemas.microsoft.com/office/drawing/2014/main" id="{CF21D5AF-2C72-E440-9815-EB170556AD5E}"/>
               </a:ext>
             </a:extLst>
           </p:cNvPr>
@@ -1808,7 +1808,7 @@
           <a:bodyPr/>
           <a:lstStyle/>
           <a:p>
-            <a:fld id="{59A292BF-F18C-4294-A516-D151C44E6E8C}" type="datetimeFigureOut">
+            <a:fld id="{F76275E7-60C4-473B-AE3A-9B4B430F762B}" type="datetimeFigureOut">
               <a:rPr lang="zh-CN" altLang="en-US" smtClean="0"/>
               <a:t>2024/3/10</a:t>
             </a:fld>
@@ -1821,7 +1821,7 @@
           <p:cNvPr id="8" name="页脚占位符 7">
             <a:extLst>
               <a:ext uri="{FF2B5EF4-FFF2-40B4-BE49-F238E27FC236}">
-                <a16:creationId xmlns:a16="http://schemas.microsoft.com/office/drawing/2014/main" id="{A324CEBF-3CAB-0D78-01F3-F0B41353F62C}"/>
+                <a16:creationId xmlns:a16="http://schemas.microsoft.com/office/drawing/2014/main" id="{9C7909F3-9396-A2BC-836A-42EF8FECDCBA}"/>
               </a:ext>
             </a:extLst>
           </p:cNvPr>
@@ -1846,7 +1846,7 @@
           <p:cNvPr id="9" name="灯片编号占位符 8">
             <a:extLst>
               <a:ext uri="{FF2B5EF4-FFF2-40B4-BE49-F238E27FC236}">
-                <a16:creationId xmlns:a16="http://schemas.microsoft.com/office/drawing/2014/main" id="{F89203DB-0B78-6D8E-CAC5-2F4293472A35}"/>
+                <a16:creationId xmlns:a16="http://schemas.microsoft.com/office/drawing/2014/main" id="{3A86FD17-B99C-74F0-7D4A-D8622827F261}"/>
               </a:ext>
             </a:extLst>
           </p:cNvPr>
@@ -1862,7 +1862,7 @@
           <a:bodyPr/>
           <a:lstStyle/>
           <a:p>
-            <a:fld id="{53693364-BD15-44D8-9FC4-2C35FEF1FCE3}" type="slidenum">
+            <a:fld id="{1F249BA8-D140-4AF0-A7B7-14225DA5610E}" type="slidenum">
               <a:rPr lang="zh-CN" altLang="en-US" smtClean="0"/>
               <a:t>‹#›</a:t>
             </a:fld>
@@ -1873,7 +1873,7 @@
     </p:spTree>
     <p:extLst>
       <p:ext uri="{BB962C8B-B14F-4D97-AF65-F5344CB8AC3E}">
-        <p14:creationId xmlns:p14="http://schemas.microsoft.com/office/powerpoint/2010/main" val="2952217041"/>
+        <p14:creationId xmlns:p14="http://schemas.microsoft.com/office/powerpoint/2010/main" val="2708133816"/>
       </p:ext>
     </p:extLst>
   </p:cSld>
@@ -1905,7 +1905,7 @@
           <p:cNvPr id="2" name="标题 1">
             <a:extLst>
               <a:ext uri="{FF2B5EF4-FFF2-40B4-BE49-F238E27FC236}">
-                <a16:creationId xmlns:a16="http://schemas.microsoft.com/office/drawing/2014/main" id="{D1455B9C-DCFE-93C9-3D36-7EDF7827FECA}"/>
+                <a16:creationId xmlns:a16="http://schemas.microsoft.com/office/drawing/2014/main" id="{BE956C6B-E499-AAB8-A7A5-75B6F3489C4D}"/>
               </a:ext>
             </a:extLst>
           </p:cNvPr>
@@ -1933,7 +1933,7 @@
           <p:cNvPr id="3" name="日期占位符 2">
             <a:extLst>
               <a:ext uri="{FF2B5EF4-FFF2-40B4-BE49-F238E27FC236}">
-                <a16:creationId xmlns:a16="http://schemas.microsoft.com/office/drawing/2014/main" id="{68E29AAD-123A-CFCA-9EAD-5917F7B28CB4}"/>
+                <a16:creationId xmlns:a16="http://schemas.microsoft.com/office/drawing/2014/main" id="{16E7E11B-DA17-3D8A-16F4-D735D5AB6E4F}"/>
               </a:ext>
             </a:extLst>
           </p:cNvPr>
@@ -1949,7 +1949,7 @@
           <a:bodyPr/>
           <a:lstStyle/>
           <a:p>
-            <a:fld id="{59A292BF-F18C-4294-A516-D151C44E6E8C}" type="datetimeFigureOut">
+            <a:fld id="{F76275E7-60C4-473B-AE3A-9B4B430F762B}" type="datetimeFigureOut">
               <a:rPr lang="zh-CN" altLang="en-US" smtClean="0"/>
               <a:t>2024/3/10</a:t>
             </a:fld>
@@ -1962,7 +1962,7 @@
           <p:cNvPr id="4" name="页脚占位符 3">
             <a:extLst>
               <a:ext uri="{FF2B5EF4-FFF2-40B4-BE49-F238E27FC236}">
-                <a16:creationId xmlns:a16="http://schemas.microsoft.com/office/drawing/2014/main" id="{A7DDD83C-FFB7-E6F8-6E1E-731F95B153DC}"/>
+                <a16:creationId xmlns:a16="http://schemas.microsoft.com/office/drawing/2014/main" id="{441D594D-531F-2886-86DC-AC576DD843B5}"/>
               </a:ext>
             </a:extLst>
           </p:cNvPr>
@@ -1987,7 +1987,7 @@
           <p:cNvPr id="5" name="灯片编号占位符 4">
             <a:extLst>
               <a:ext uri="{FF2B5EF4-FFF2-40B4-BE49-F238E27FC236}">
-                <a16:creationId xmlns:a16="http://schemas.microsoft.com/office/drawing/2014/main" id="{DBD9385B-CD68-A64B-2066-BE99958CEECD}"/>
+                <a16:creationId xmlns:a16="http://schemas.microsoft.com/office/drawing/2014/main" id="{59B30FDF-3901-874C-C0F3-78D5E271A978}"/>
               </a:ext>
             </a:extLst>
           </p:cNvPr>
@@ -2003,7 +2003,7 @@
           <a:bodyPr/>
           <a:lstStyle/>
           <a:p>
-            <a:fld id="{53693364-BD15-44D8-9FC4-2C35FEF1FCE3}" type="slidenum">
+            <a:fld id="{1F249BA8-D140-4AF0-A7B7-14225DA5610E}" type="slidenum">
               <a:rPr lang="zh-CN" altLang="en-US" smtClean="0"/>
               <a:t>‹#›</a:t>
             </a:fld>
@@ -2014,7 +2014,7 @@
     </p:spTree>
     <p:extLst>
       <p:ext uri="{BB962C8B-B14F-4D97-AF65-F5344CB8AC3E}">
-        <p14:creationId xmlns:p14="http://schemas.microsoft.com/office/powerpoint/2010/main" val="3581574048"/>
+        <p14:creationId xmlns:p14="http://schemas.microsoft.com/office/powerpoint/2010/main" val="303550997"/>
       </p:ext>
     </p:extLst>
   </p:cSld>
@@ -2046,7 +2046,7 @@
           <p:cNvPr id="2" name="日期占位符 1">
             <a:extLst>
               <a:ext uri="{FF2B5EF4-FFF2-40B4-BE49-F238E27FC236}">
-                <a16:creationId xmlns:a16="http://schemas.microsoft.com/office/drawing/2014/main" id="{001862B0-701E-F2CF-45EA-36A710B71EBD}"/>
+                <a16:creationId xmlns:a16="http://schemas.microsoft.com/office/drawing/2014/main" id="{059EF5B4-A1F8-C199-FB15-7DA0FF29A704}"/>
               </a:ext>
             </a:extLst>
           </p:cNvPr>
@@ -2062,7 +2062,7 @@
           <a:bodyPr/>
           <a:lstStyle/>
           <a:p>
-            <a:fld id="{59A292BF-F18C-4294-A516-D151C44E6E8C}" type="datetimeFigureOut">
+            <a:fld id="{F76275E7-60C4-473B-AE3A-9B4B430F762B}" type="datetimeFigureOut">
               <a:rPr lang="zh-CN" altLang="en-US" smtClean="0"/>
               <a:t>2024/3/10</a:t>
             </a:fld>
@@ -2075,7 +2075,7 @@
           <p:cNvPr id="3" name="页脚占位符 2">
             <a:extLst>
               <a:ext uri="{FF2B5EF4-FFF2-40B4-BE49-F238E27FC236}">
-                <a16:creationId xmlns:a16="http://schemas.microsoft.com/office/drawing/2014/main" id="{67FC9095-FB87-18F5-6F8C-5D76131BC332}"/>
+                <a16:creationId xmlns:a16="http://schemas.microsoft.com/office/drawing/2014/main" id="{8F771D67-ECA9-5F23-59F8-ABA57F4E18D8}"/>
               </a:ext>
             </a:extLst>
           </p:cNvPr>
@@ -2100,7 +2100,7 @@
           <p:cNvPr id="4" name="灯片编号占位符 3">
             <a:extLst>
               <a:ext uri="{FF2B5EF4-FFF2-40B4-BE49-F238E27FC236}">
-                <a16:creationId xmlns:a16="http://schemas.microsoft.com/office/drawing/2014/main" id="{FC449F4C-956F-8CBE-676A-43A452A564D2}"/>
+                <a16:creationId xmlns:a16="http://schemas.microsoft.com/office/drawing/2014/main" id="{FD8C5B36-AF33-AB83-10C5-A06F6FF9CFD3}"/>
               </a:ext>
             </a:extLst>
           </p:cNvPr>
@@ -2116,7 +2116,7 @@
           <a:bodyPr/>
           <a:lstStyle/>
           <a:p>
-            <a:fld id="{53693364-BD15-44D8-9FC4-2C35FEF1FCE3}" type="slidenum">
+            <a:fld id="{1F249BA8-D140-4AF0-A7B7-14225DA5610E}" type="slidenum">
               <a:rPr lang="zh-CN" altLang="en-US" smtClean="0"/>
               <a:t>‹#›</a:t>
             </a:fld>
@@ -2127,7 +2127,7 @@
     </p:spTree>
     <p:extLst>
       <p:ext uri="{BB962C8B-B14F-4D97-AF65-F5344CB8AC3E}">
-        <p14:creationId xmlns:p14="http://schemas.microsoft.com/office/powerpoint/2010/main" val="2037789590"/>
+        <p14:creationId xmlns:p14="http://schemas.microsoft.com/office/powerpoint/2010/main" val="484079404"/>
       </p:ext>
     </p:extLst>
   </p:cSld>
@@ -2159,7 +2159,7 @@
           <p:cNvPr id="2" name="标题 1">
             <a:extLst>
               <a:ext uri="{FF2B5EF4-FFF2-40B4-BE49-F238E27FC236}">
-                <a16:creationId xmlns:a16="http://schemas.microsoft.com/office/drawing/2014/main" id="{3EE40A28-C5BB-DA70-D3EF-3A411DB73438}"/>
+                <a16:creationId xmlns:a16="http://schemas.microsoft.com/office/drawing/2014/main" id="{95273200-B0A1-5069-69D8-F1DFB7DD0E97}"/>
               </a:ext>
             </a:extLst>
           </p:cNvPr>
@@ -2196,7 +2196,7 @@
           <p:cNvPr id="3" name="内容占位符 2">
             <a:extLst>
               <a:ext uri="{FF2B5EF4-FFF2-40B4-BE49-F238E27FC236}">
-                <a16:creationId xmlns:a16="http://schemas.microsoft.com/office/drawing/2014/main" id="{E3EB859F-2DE6-EE0B-33DB-1004150A0345}"/>
+                <a16:creationId xmlns:a16="http://schemas.microsoft.com/office/drawing/2014/main" id="{3FE0CA80-F59E-867C-B363-ECC29FB3D912}"/>
               </a:ext>
             </a:extLst>
           </p:cNvPr>
@@ -2286,7 +2286,7 @@
           <p:cNvPr id="4" name="文本占位符 3">
             <a:extLst>
               <a:ext uri="{FF2B5EF4-FFF2-40B4-BE49-F238E27FC236}">
-                <a16:creationId xmlns:a16="http://schemas.microsoft.com/office/drawing/2014/main" id="{29E37914-D550-DD25-4DA5-E4E1F9521853}"/>
+                <a16:creationId xmlns:a16="http://schemas.microsoft.com/office/drawing/2014/main" id="{9A2A3A41-C362-6D1A-1A35-32F07E467D70}"/>
               </a:ext>
             </a:extLst>
           </p:cNvPr>
@@ -2357,7 +2357,7 @@
           <p:cNvPr id="5" name="日期占位符 4">
             <a:extLst>
               <a:ext uri="{FF2B5EF4-FFF2-40B4-BE49-F238E27FC236}">
-                <a16:creationId xmlns:a16="http://schemas.microsoft.com/office/drawing/2014/main" id="{F36FBCD0-020E-27B5-AA71-578E972CA663}"/>
+                <a16:creationId xmlns:a16="http://schemas.microsoft.com/office/drawing/2014/main" id="{30087D1E-E44A-D9FF-D755-C7A06C0DE9F6}"/>
               </a:ext>
             </a:extLst>
           </p:cNvPr>
@@ -2373,7 +2373,7 @@
           <a:bodyPr/>
           <a:lstStyle/>
           <a:p>
-            <a:fld id="{59A292BF-F18C-4294-A516-D151C44E6E8C}" type="datetimeFigureOut">
+            <a:fld id="{F76275E7-60C4-473B-AE3A-9B4B430F762B}" type="datetimeFigureOut">
               <a:rPr lang="zh-CN" altLang="en-US" smtClean="0"/>
               <a:t>2024/3/10</a:t>
             </a:fld>
@@ -2386,7 +2386,7 @@
           <p:cNvPr id="6" name="页脚占位符 5">
             <a:extLst>
               <a:ext uri="{FF2B5EF4-FFF2-40B4-BE49-F238E27FC236}">
-                <a16:creationId xmlns:a16="http://schemas.microsoft.com/office/drawing/2014/main" id="{42418C95-65C6-B6A9-542E-708B48054A55}"/>
+                <a16:creationId xmlns:a16="http://schemas.microsoft.com/office/drawing/2014/main" id="{FEE00D93-18D2-426D-098F-4B0F1ADA0137}"/>
               </a:ext>
             </a:extLst>
           </p:cNvPr>
@@ -2411,7 +2411,7 @@
           <p:cNvPr id="7" name="灯片编号占位符 6">
             <a:extLst>
               <a:ext uri="{FF2B5EF4-FFF2-40B4-BE49-F238E27FC236}">
-                <a16:creationId xmlns:a16="http://schemas.microsoft.com/office/drawing/2014/main" id="{7B499C0D-9318-C494-C90B-1BB45AF3CCDD}"/>
+                <a16:creationId xmlns:a16="http://schemas.microsoft.com/office/drawing/2014/main" id="{BA4207EA-C504-6CEF-2F61-2A7230E05ECA}"/>
               </a:ext>
             </a:extLst>
           </p:cNvPr>
@@ -2427,7 +2427,7 @@
           <a:bodyPr/>
           <a:lstStyle/>
           <a:p>
-            <a:fld id="{53693364-BD15-44D8-9FC4-2C35FEF1FCE3}" type="slidenum">
+            <a:fld id="{1F249BA8-D140-4AF0-A7B7-14225DA5610E}" type="slidenum">
               <a:rPr lang="zh-CN" altLang="en-US" smtClean="0"/>
               <a:t>‹#›</a:t>
             </a:fld>
@@ -2438,7 +2438,7 @@
     </p:spTree>
     <p:extLst>
       <p:ext uri="{BB962C8B-B14F-4D97-AF65-F5344CB8AC3E}">
-        <p14:creationId xmlns:p14="http://schemas.microsoft.com/office/powerpoint/2010/main" val="1194454636"/>
+        <p14:creationId xmlns:p14="http://schemas.microsoft.com/office/powerpoint/2010/main" val="226202631"/>
       </p:ext>
     </p:extLst>
   </p:cSld>
@@ -2470,7 +2470,7 @@
           <p:cNvPr id="2" name="标题 1">
             <a:extLst>
               <a:ext uri="{FF2B5EF4-FFF2-40B4-BE49-F238E27FC236}">
-                <a16:creationId xmlns:a16="http://schemas.microsoft.com/office/drawing/2014/main" id="{21116D96-AC12-D60E-FB0A-4A147ED175C1}"/>
+                <a16:creationId xmlns:a16="http://schemas.microsoft.com/office/drawing/2014/main" id="{1A09F65B-57D7-CD69-E36A-4A3C4E3ABB65}"/>
               </a:ext>
             </a:extLst>
           </p:cNvPr>
@@ -2507,7 +2507,7 @@
           <p:cNvPr id="3" name="图片占位符 2">
             <a:extLst>
               <a:ext uri="{FF2B5EF4-FFF2-40B4-BE49-F238E27FC236}">
-                <a16:creationId xmlns:a16="http://schemas.microsoft.com/office/drawing/2014/main" id="{0EBB1872-7267-7AE4-CAA6-D09A6AA92A91}"/>
+                <a16:creationId xmlns:a16="http://schemas.microsoft.com/office/drawing/2014/main" id="{E85DEFEB-E40A-8DEB-E73D-BC2770C63F4D}"/>
               </a:ext>
             </a:extLst>
           </p:cNvPr>
@@ -2574,7 +2574,7 @@
           <p:cNvPr id="4" name="文本占位符 3">
             <a:extLst>
               <a:ext uri="{FF2B5EF4-FFF2-40B4-BE49-F238E27FC236}">
-                <a16:creationId xmlns:a16="http://schemas.microsoft.com/office/drawing/2014/main" id="{1ADCB5E4-6F04-8CBA-99C7-8C8DC6000D85}"/>
+                <a16:creationId xmlns:a16="http://schemas.microsoft.com/office/drawing/2014/main" id="{9F5DE323-8BF5-B7AF-8933-E064D31015ED}"/>
               </a:ext>
             </a:extLst>
           </p:cNvPr>
@@ -2645,7 +2645,7 @@
           <p:cNvPr id="5" name="日期占位符 4">
             <a:extLst>
               <a:ext uri="{FF2B5EF4-FFF2-40B4-BE49-F238E27FC236}">
-                <a16:creationId xmlns:a16="http://schemas.microsoft.com/office/drawing/2014/main" id="{F674B682-0BF2-B4D9-F6F7-4A5220BC4D0E}"/>
+                <a16:creationId xmlns:a16="http://schemas.microsoft.com/office/drawing/2014/main" id="{3CA9871F-3CFD-DEA8-C867-3CD281606B42}"/>
               </a:ext>
             </a:extLst>
           </p:cNvPr>
@@ -2661,7 +2661,7 @@
           <a:bodyPr/>
           <a:lstStyle/>
           <a:p>
-            <a:fld id="{59A292BF-F18C-4294-A516-D151C44E6E8C}" type="datetimeFigureOut">
+            <a:fld id="{F76275E7-60C4-473B-AE3A-9B4B430F762B}" type="datetimeFigureOut">
               <a:rPr lang="zh-CN" altLang="en-US" smtClean="0"/>
               <a:t>2024/3/10</a:t>
             </a:fld>
@@ -2674,7 +2674,7 @@
           <p:cNvPr id="6" name="页脚占位符 5">
             <a:extLst>
               <a:ext uri="{FF2B5EF4-FFF2-40B4-BE49-F238E27FC236}">
-                <a16:creationId xmlns:a16="http://schemas.microsoft.com/office/drawing/2014/main" id="{CDE19224-860C-4E8C-7983-9B2439BC081B}"/>
+                <a16:creationId xmlns:a16="http://schemas.microsoft.com/office/drawing/2014/main" id="{1F952AD2-7878-B2CA-B8AB-EAC68CE6F6CE}"/>
               </a:ext>
             </a:extLst>
           </p:cNvPr>
@@ -2699,7 +2699,7 @@
           <p:cNvPr id="7" name="灯片编号占位符 6">
             <a:extLst>
               <a:ext uri="{FF2B5EF4-FFF2-40B4-BE49-F238E27FC236}">
-                <a16:creationId xmlns:a16="http://schemas.microsoft.com/office/drawing/2014/main" id="{E0A13E2C-E518-9BFD-04F5-43A8776B3C26}"/>
+                <a16:creationId xmlns:a16="http://schemas.microsoft.com/office/drawing/2014/main" id="{1727D53F-936E-40B2-A112-033C8BCA9530}"/>
               </a:ext>
             </a:extLst>
           </p:cNvPr>
@@ -2715,7 +2715,7 @@
           <a:bodyPr/>
           <a:lstStyle/>
           <a:p>
-            <a:fld id="{53693364-BD15-44D8-9FC4-2C35FEF1FCE3}" type="slidenum">
+            <a:fld id="{1F249BA8-D140-4AF0-A7B7-14225DA5610E}" type="slidenum">
               <a:rPr lang="zh-CN" altLang="en-US" smtClean="0"/>
               <a:t>‹#›</a:t>
             </a:fld>
@@ -2726,7 +2726,7 @@
     </p:spTree>
     <p:extLst>
       <p:ext uri="{BB962C8B-B14F-4D97-AF65-F5344CB8AC3E}">
-        <p14:creationId xmlns:p14="http://schemas.microsoft.com/office/powerpoint/2010/main" val="1111687581"/>
+        <p14:creationId xmlns:p14="http://schemas.microsoft.com/office/powerpoint/2010/main" val="1600716384"/>
       </p:ext>
     </p:extLst>
   </p:cSld>
@@ -2763,7 +2763,7 @@
           <p:cNvPr id="2" name="标题占位符 1">
             <a:extLst>
               <a:ext uri="{FF2B5EF4-FFF2-40B4-BE49-F238E27FC236}">
-                <a16:creationId xmlns:a16="http://schemas.microsoft.com/office/drawing/2014/main" id="{7351AD5A-B8A7-A8C9-0297-C56AAAA6AA06}"/>
+                <a16:creationId xmlns:a16="http://schemas.microsoft.com/office/drawing/2014/main" id="{8E5EB858-56C9-4CA7-E8B5-D009985853EF}"/>
               </a:ext>
             </a:extLst>
           </p:cNvPr>
@@ -2801,7 +2801,7 @@
           <p:cNvPr id="3" name="文本占位符 2">
             <a:extLst>
               <a:ext uri="{FF2B5EF4-FFF2-40B4-BE49-F238E27FC236}">
-                <a16:creationId xmlns:a16="http://schemas.microsoft.com/office/drawing/2014/main" id="{415A7F41-9E67-10AC-B30A-239716AFC55E}"/>
+                <a16:creationId xmlns:a16="http://schemas.microsoft.com/office/drawing/2014/main" id="{C6014354-4693-5973-D67D-0077BDD331F7}"/>
               </a:ext>
             </a:extLst>
           </p:cNvPr>
@@ -2868,7 +2868,7 @@
           <p:cNvPr id="4" name="日期占位符 3">
             <a:extLst>
               <a:ext uri="{FF2B5EF4-FFF2-40B4-BE49-F238E27FC236}">
-                <a16:creationId xmlns:a16="http://schemas.microsoft.com/office/drawing/2014/main" id="{4AE29525-D7FA-C05E-1807-6C59F7D75A97}"/>
+                <a16:creationId xmlns:a16="http://schemas.microsoft.com/office/drawing/2014/main" id="{5968E704-4935-4900-6DCC-A2C120DCF27A}"/>
               </a:ext>
             </a:extLst>
           </p:cNvPr>
@@ -2902,7 +2902,7 @@
             </a:lvl1pPr>
           </a:lstStyle>
           <a:p>
-            <a:fld id="{59A292BF-F18C-4294-A516-D151C44E6E8C}" type="datetimeFigureOut">
+            <a:fld id="{F76275E7-60C4-473B-AE3A-9B4B430F762B}" type="datetimeFigureOut">
               <a:rPr lang="zh-CN" altLang="en-US" smtClean="0"/>
               <a:t>2024/3/10</a:t>
             </a:fld>
@@ -2915,7 +2915,7 @@
           <p:cNvPr id="5" name="页脚占位符 4">
             <a:extLst>
               <a:ext uri="{FF2B5EF4-FFF2-40B4-BE49-F238E27FC236}">
-                <a16:creationId xmlns:a16="http://schemas.microsoft.com/office/drawing/2014/main" id="{41028A44-3F59-FD5B-01C9-71BB0FB0CBE5}"/>
+                <a16:creationId xmlns:a16="http://schemas.microsoft.com/office/drawing/2014/main" id="{5724A098-2AE4-6870-41A0-BAC3BFED48EF}"/>
               </a:ext>
             </a:extLst>
           </p:cNvPr>
@@ -2958,7 +2958,7 @@
           <p:cNvPr id="6" name="灯片编号占位符 5">
             <a:extLst>
               <a:ext uri="{FF2B5EF4-FFF2-40B4-BE49-F238E27FC236}">
-                <a16:creationId xmlns:a16="http://schemas.microsoft.com/office/drawing/2014/main" id="{A6CA80F3-BE9D-819D-7D45-568BA9522C60}"/>
+                <a16:creationId xmlns:a16="http://schemas.microsoft.com/office/drawing/2014/main" id="{2270D5DC-44F9-1843-0E0E-61FDF97CDF08}"/>
               </a:ext>
             </a:extLst>
           </p:cNvPr>
@@ -2992,7 +2992,7 @@
             </a:lvl1pPr>
           </a:lstStyle>
           <a:p>
-            <a:fld id="{53693364-BD15-44D8-9FC4-2C35FEF1FCE3}" type="slidenum">
+            <a:fld id="{1F249BA8-D140-4AF0-A7B7-14225DA5610E}" type="slidenum">
               <a:rPr lang="zh-CN" altLang="en-US" smtClean="0"/>
               <a:t>‹#›</a:t>
             </a:fld>
@@ -3003,7 +3003,7 @@
     </p:spTree>
     <p:extLst>
       <p:ext uri="{BB962C8B-B14F-4D97-AF65-F5344CB8AC3E}">
-        <p14:creationId xmlns:p14="http://schemas.microsoft.com/office/powerpoint/2010/main" val="1929595274"/>
+        <p14:creationId xmlns:p14="http://schemas.microsoft.com/office/powerpoint/2010/main" val="778525226"/>
       </p:ext>
     </p:extLst>
   </p:cSld>
